--- a/Audits/EPWS2223HausenKochZimmer Audit 4.pptx
+++ b/Audits/EPWS2223HausenKochZimmer Audit 4.pptx
@@ -239,7 +239,7 @@
           <a:p>
             <a:fld id="{14D7B175-9C0D-422E-AF9B-B2B60FEC5750}" type="datetimeFigureOut">
               <a:rPr lang="de-DE" smtClean="0"/>
-              <a:t>05.03.2023</a:t>
+              <a:t>06.03.2023</a:t>
             </a:fld>
             <a:endParaRPr lang="de-DE"/>
           </a:p>
@@ -417,7 +417,7 @@
           <a:p>
             <a:fld id="{331B08D1-1B10-48CA-BD23-DF971FF342A1}" type="datetimeFigureOut">
               <a:rPr lang="de-DE" smtClean="0"/>
-              <a:t>05.03.2023</a:t>
+              <a:t>06.03.2023</a:t>
             </a:fld>
             <a:endParaRPr lang="de-DE"/>
           </a:p>
@@ -1233,7 +1233,14 @@
           <a:bodyPr/>
           <a:lstStyle/>
           <a:p>
-            <a:endParaRPr lang="de-DE" dirty="0"/>
+            <a:r>
+              <a:rPr lang="de-DE" dirty="0" err="1"/>
+              <a:t>UseCases</a:t>
+            </a:r>
+            <a:r>
+              <a:rPr lang="de-DE" dirty="0"/>
+              <a:t> prinzipiell umsetzbar</a:t>
+            </a:r>
           </a:p>
         </p:txBody>
       </p:sp>
@@ -1588,7 +1595,7 @@
           <a:p>
             <a:fld id="{ED1BC4C9-1A13-4EE7-AF10-A080FF9505FC}" type="datetime1">
               <a:rPr lang="de-DE" smtClean="0"/>
-              <a:t>05.03.2023</a:t>
+              <a:t>06.03.2023</a:t>
             </a:fld>
             <a:endParaRPr lang="de-DE"/>
           </a:p>
@@ -1786,7 +1793,7 @@
           <a:p>
             <a:fld id="{6C2AB422-32FC-42F3-9689-2B0D08DB4456}" type="datetime1">
               <a:rPr lang="de-DE" smtClean="0"/>
-              <a:t>05.03.2023</a:t>
+              <a:t>06.03.2023</a:t>
             </a:fld>
             <a:endParaRPr lang="de-DE"/>
           </a:p>
@@ -1994,7 +2001,7 @@
           <a:p>
             <a:fld id="{C1537AD8-4C02-4B23-A319-CD41525F0575}" type="datetime1">
               <a:rPr lang="de-DE" smtClean="0"/>
-              <a:t>05.03.2023</a:t>
+              <a:t>06.03.2023</a:t>
             </a:fld>
             <a:endParaRPr lang="de-DE"/>
           </a:p>
@@ -2192,7 +2199,7 @@
           <a:p>
             <a:fld id="{2542ACB1-0C11-4D97-B345-5791D5AFEBBD}" type="datetime1">
               <a:rPr lang="de-DE" smtClean="0"/>
-              <a:t>05.03.2023</a:t>
+              <a:t>06.03.2023</a:t>
             </a:fld>
             <a:endParaRPr lang="de-DE"/>
           </a:p>
@@ -2467,7 +2474,7 @@
           <a:p>
             <a:fld id="{CF8A9434-0CF4-4502-AC01-E50C47A78749}" type="datetime1">
               <a:rPr lang="de-DE" smtClean="0"/>
-              <a:t>05.03.2023</a:t>
+              <a:t>06.03.2023</a:t>
             </a:fld>
             <a:endParaRPr lang="de-DE"/>
           </a:p>
@@ -2732,7 +2739,7 @@
           <a:p>
             <a:fld id="{1C66BAD7-5AD9-4620-853F-EAED5CE5CCA9}" type="datetime1">
               <a:rPr lang="de-DE" smtClean="0"/>
-              <a:t>05.03.2023</a:t>
+              <a:t>06.03.2023</a:t>
             </a:fld>
             <a:endParaRPr lang="de-DE"/>
           </a:p>
@@ -3149,7 +3156,7 @@
           <a:p>
             <a:fld id="{F97251B6-C000-4B8B-8F25-F55B863C7B50}" type="datetime1">
               <a:rPr lang="de-DE" smtClean="0"/>
-              <a:t>05.03.2023</a:t>
+              <a:t>06.03.2023</a:t>
             </a:fld>
             <a:endParaRPr lang="de-DE"/>
           </a:p>
@@ -3295,7 +3302,7 @@
           <a:p>
             <a:fld id="{D7BA6ECB-C460-4FAF-AB91-F9078068F532}" type="datetime1">
               <a:rPr lang="de-DE" smtClean="0"/>
-              <a:t>05.03.2023</a:t>
+              <a:t>06.03.2023</a:t>
             </a:fld>
             <a:endParaRPr lang="de-DE"/>
           </a:p>
@@ -3408,7 +3415,7 @@
           <a:p>
             <a:fld id="{D1F6BFF4-EBC5-41EE-80C5-C44105A7A9B4}" type="datetime1">
               <a:rPr lang="de-DE" smtClean="0"/>
-              <a:t>05.03.2023</a:t>
+              <a:t>06.03.2023</a:t>
             </a:fld>
             <a:endParaRPr lang="de-DE"/>
           </a:p>
@@ -3719,7 +3726,7 @@
           <a:p>
             <a:fld id="{FEDC9D51-5166-4312-BA3B-571CE0B8ECE6}" type="datetime1">
               <a:rPr lang="de-DE" smtClean="0"/>
-              <a:t>05.03.2023</a:t>
+              <a:t>06.03.2023</a:t>
             </a:fld>
             <a:endParaRPr lang="de-DE"/>
           </a:p>
@@ -4012,7 +4019,7 @@
           <a:p>
             <a:fld id="{0D75F604-7643-422C-9716-5D15F8DAA7CB}" type="datetime1">
               <a:rPr lang="de-DE" smtClean="0"/>
-              <a:t>05.03.2023</a:t>
+              <a:t>06.03.2023</a:t>
             </a:fld>
             <a:endParaRPr lang="de-DE"/>
           </a:p>
@@ -4295,7 +4302,7 @@
           <a:p>
             <a:fld id="{EAE11A2B-C0F6-4A44-84BB-6682D02704B4}" type="datetime1">
               <a:rPr lang="de-DE" smtClean="0"/>
-              <a:t>05.03.2023</a:t>
+              <a:t>06.03.2023</a:t>
             </a:fld>
             <a:endParaRPr lang="de-DE"/>
           </a:p>
@@ -5657,7 +5664,10 @@
           <a:bodyPr/>
           <a:lstStyle/>
           <a:p>
-            <a:endParaRPr lang="de-DE"/>
+            <a:r>
+              <a:rPr lang="de-DE" dirty="0"/>
+              <a:t>Siehe Plakat</a:t>
+            </a:r>
           </a:p>
         </p:txBody>
       </p:sp>
@@ -5830,7 +5840,7 @@
             <a:pPr lvl="1"/>
             <a:r>
               <a:rPr lang="de-DE" dirty="0"/>
-              <a:t>Zusammenhände, Komplexität</a:t>
+              <a:t>Zusammenhänge, Komplexität</a:t>
             </a:r>
           </a:p>
           <a:p>
@@ -6325,7 +6335,7 @@
             </a:pPr>
             <a:r>
               <a:rPr lang="de-DE" dirty="0"/>
-              <a:t>Im Repro</a:t>
+              <a:t>Im Repo</a:t>
             </a:r>
           </a:p>
         </p:txBody>
@@ -6456,7 +6466,9 @@
           </a:xfrm>
         </p:spPr>
         <p:txBody>
-          <a:bodyPr/>
+          <a:bodyPr>
+            <a:normAutofit fontScale="85000" lnSpcReduction="20000"/>
+          </a:bodyPr>
           <a:lstStyle/>
           <a:p>
             <a:r>
@@ -6474,6 +6486,40 @@
               <a:rPr lang="de-DE" dirty="0"/>
               <a:t>Gummersbach/Oberbergischer Kreis/Deutschland/die Welt</a:t>
             </a:r>
+          </a:p>
+          <a:p>
+            <a:pPr marL="457200" lvl="1" indent="0">
+              <a:buNone/>
+            </a:pPr>
+            <a:endParaRPr lang="de-DE" dirty="0"/>
+          </a:p>
+          <a:p>
+            <a:r>
+              <a:rPr lang="de-DE" dirty="0"/>
+              <a:t>Community-Aufbau</a:t>
+            </a:r>
+          </a:p>
+          <a:p>
+            <a:endParaRPr lang="de-DE" dirty="0"/>
+          </a:p>
+          <a:p>
+            <a:r>
+              <a:rPr lang="de-DE" dirty="0"/>
+              <a:t>Präsentationen (Notizen)</a:t>
+            </a:r>
+          </a:p>
+          <a:p>
+            <a:endParaRPr lang="de-DE" dirty="0"/>
+          </a:p>
+          <a:p>
+            <a:r>
+              <a:rPr lang="de-DE" dirty="0"/>
+              <a:t>Sonstiges</a:t>
+            </a:r>
+          </a:p>
+          <a:p>
+            <a:pPr lvl="1"/>
+            <a:endParaRPr lang="de-DE" dirty="0"/>
           </a:p>
           <a:p>
             <a:r>
